--- a/formas.pptx
+++ b/formas.pptx
@@ -10,6 +10,8 @@
     <p:sldId id="258" r:id="rId4"/>
     <p:sldId id="259" r:id="rId5"/>
     <p:sldId id="260" r:id="rId6"/>
+    <p:sldId id="261" r:id="rId7"/>
+    <p:sldId id="262" r:id="rId8"/>
   </p:sldIdLst>
   <p:sldSz cx="12192000" cy="6858000"/>
   <p:notesSz cx="6858000" cy="9144000"/>
@@ -108,6 +110,11 @@
       </a:defRPr>
     </a:lvl9pPr>
   </p:defaultTextStyle>
+  <p:extLst>
+    <p:ext uri="{EFAFB233-063F-42B5-8137-9DF3F51BA10A}">
+      <p15:sldGuideLst xmlns:p15="http://schemas.microsoft.com/office/powerpoint/2012/main"/>
+    </p:ext>
+  </p:extLst>
 </p:presentation>
 </file>
 
@@ -4026,42 +4033,6 @@
   <dgm:ptLst>
     <dgm:pt modelId="{37488892-2E0C-4730-A249-19C15F5A14EE}" type="doc">
       <dgm:prSet loTypeId="urn:microsoft.com/office/officeart/2005/8/layout/vList2" loCatId="list" qsTypeId="urn:microsoft.com/office/officeart/2005/8/quickstyle/simple5" qsCatId="simple" csTypeId="urn:microsoft.com/office/officeart/2005/8/colors/accent6_3" csCatId="accent6" phldr="1"/>
-      <dgm:spPr/>
-      <dgm:t>
-        <a:bodyPr/>
-        <a:lstStyle/>
-        <a:p>
-          <a:endParaRPr lang="es-CO"/>
-        </a:p>
-      </dgm:t>
-    </dgm:pt>
-    <dgm:pt modelId="{BD1980BB-2A08-49D7-917C-7B36593046D2}">
-      <dgm:prSet phldrT="[Texto]"/>
-      <dgm:spPr/>
-      <dgm:t>
-        <a:bodyPr/>
-        <a:lstStyle/>
-        <a:p>
-          <a:r>
-            <a:rPr lang="es-CO" dirty="0"/>
-            <a:t> </a:t>
-          </a:r>
-        </a:p>
-      </dgm:t>
-    </dgm:pt>
-    <dgm:pt modelId="{D3C024A6-9E72-42F8-A503-8303482E12F0}" type="parTrans" cxnId="{A1D315F4-F5E4-4655-85F4-04B65D0511C7}">
-      <dgm:prSet/>
-      <dgm:spPr/>
-      <dgm:t>
-        <a:bodyPr/>
-        <a:lstStyle/>
-        <a:p>
-          <a:endParaRPr lang="es-CO"/>
-        </a:p>
-      </dgm:t>
-    </dgm:pt>
-    <dgm:pt modelId="{B982794B-B949-4F10-A68A-4799E779F11B}" type="sibTrans" cxnId="{A1D315F4-F5E4-4655-85F4-04B65D0511C7}">
-      <dgm:prSet/>
       <dgm:spPr/>
       <dgm:t>
         <a:bodyPr/>
@@ -4179,6 +4150,42 @@
         </a:p>
       </dgm:t>
     </dgm:pt>
+    <dgm:pt modelId="{BD1980BB-2A08-49D7-917C-7B36593046D2}">
+      <dgm:prSet phldrT="[Texto]"/>
+      <dgm:spPr/>
+      <dgm:t>
+        <a:bodyPr/>
+        <a:lstStyle/>
+        <a:p>
+          <a:r>
+            <a:rPr lang="es-CO" dirty="0"/>
+            <a:t> </a:t>
+          </a:r>
+        </a:p>
+      </dgm:t>
+    </dgm:pt>
+    <dgm:pt modelId="{B982794B-B949-4F10-A68A-4799E779F11B}" type="sibTrans" cxnId="{A1D315F4-F5E4-4655-85F4-04B65D0511C7}">
+      <dgm:prSet/>
+      <dgm:spPr/>
+      <dgm:t>
+        <a:bodyPr/>
+        <a:lstStyle/>
+        <a:p>
+          <a:endParaRPr lang="es-CO"/>
+        </a:p>
+      </dgm:t>
+    </dgm:pt>
+    <dgm:pt modelId="{D3C024A6-9E72-42F8-A503-8303482E12F0}" type="parTrans" cxnId="{A1D315F4-F5E4-4655-85F4-04B65D0511C7}">
+      <dgm:prSet/>
+      <dgm:spPr/>
+      <dgm:t>
+        <a:bodyPr/>
+        <a:lstStyle/>
+        <a:p>
+          <a:endParaRPr lang="es-CO"/>
+        </a:p>
+      </dgm:t>
+    </dgm:pt>
     <dgm:pt modelId="{540B47EC-0B2A-42FE-A6D9-0E023B4449F9}" type="pres">
       <dgm:prSet presAssocID="{37488892-2E0C-4730-A249-19C15F5A14EE}" presName="linear" presStyleCnt="0">
         <dgm:presLayoutVars>
@@ -4187,15 +4194,29 @@
         </dgm:presLayoutVars>
       </dgm:prSet>
       <dgm:spPr/>
+      <dgm:t>
+        <a:bodyPr/>
+        <a:lstStyle/>
+        <a:p>
+          <a:endParaRPr lang="es-ES"/>
+        </a:p>
+      </dgm:t>
     </dgm:pt>
     <dgm:pt modelId="{9C296CCC-8A34-415B-9EFB-C1604EA294DC}" type="pres">
-      <dgm:prSet presAssocID="{BD1980BB-2A08-49D7-917C-7B36593046D2}" presName="parentText" presStyleLbl="node1" presStyleIdx="0" presStyleCnt="4" custLinFactNeighborY="-78955">
+      <dgm:prSet presAssocID="{BD1980BB-2A08-49D7-917C-7B36593046D2}" presName="parentText" presStyleLbl="node1" presStyleIdx="0" presStyleCnt="4" custLinFactNeighborX="-17839" custLinFactNeighborY="-28965">
         <dgm:presLayoutVars>
           <dgm:chMax val="0"/>
           <dgm:bulletEnabled val="1"/>
         </dgm:presLayoutVars>
       </dgm:prSet>
       <dgm:spPr/>
+      <dgm:t>
+        <a:bodyPr/>
+        <a:lstStyle/>
+        <a:p>
+          <a:endParaRPr lang="es-ES"/>
+        </a:p>
+      </dgm:t>
     </dgm:pt>
     <dgm:pt modelId="{6BC71E4A-323F-4B98-9C5A-ED53B0474219}" type="pres">
       <dgm:prSet presAssocID="{B982794B-B949-4F10-A68A-4799E779F11B}" presName="spacer" presStyleCnt="0"/>
@@ -4209,19 +4230,33 @@
         </dgm:presLayoutVars>
       </dgm:prSet>
       <dgm:spPr/>
+      <dgm:t>
+        <a:bodyPr/>
+        <a:lstStyle/>
+        <a:p>
+          <a:endParaRPr lang="es-ES"/>
+        </a:p>
+      </dgm:t>
     </dgm:pt>
     <dgm:pt modelId="{22EF46E7-61FA-46F0-B6FF-A4B7C839AFD5}" type="pres">
       <dgm:prSet presAssocID="{3BC09842-B6C3-42C0-B291-156C670A2912}" presName="spacer" presStyleCnt="0"/>
       <dgm:spPr/>
     </dgm:pt>
     <dgm:pt modelId="{D626C018-E2CB-4EB2-BB61-BAF330B89C39}" type="pres">
-      <dgm:prSet presAssocID="{8759F69D-C19C-4881-9B39-4CF7B0B813B3}" presName="parentText" presStyleLbl="node1" presStyleIdx="2" presStyleCnt="4" custLinFactNeighborY="-78955">
+      <dgm:prSet presAssocID="{8759F69D-C19C-4881-9B39-4CF7B0B813B3}" presName="parentText" presStyleLbl="node1" presStyleIdx="2" presStyleCnt="4" custLinFactNeighborX="-482" custLinFactNeighborY="-96742">
         <dgm:presLayoutVars>
           <dgm:chMax val="0"/>
           <dgm:bulletEnabled val="1"/>
         </dgm:presLayoutVars>
       </dgm:prSet>
       <dgm:spPr/>
+      <dgm:t>
+        <a:bodyPr/>
+        <a:lstStyle/>
+        <a:p>
+          <a:endParaRPr lang="es-ES"/>
+        </a:p>
+      </dgm:t>
     </dgm:pt>
     <dgm:pt modelId="{3F99E389-0999-4EF2-A7AA-028DBFB0C92D}" type="pres">
       <dgm:prSet presAssocID="{E28C0E97-3EE5-4AA4-836A-C52287EF4D65}" presName="spacer" presStyleCnt="0"/>
@@ -4235,18 +4270,25 @@
         </dgm:presLayoutVars>
       </dgm:prSet>
       <dgm:spPr/>
+      <dgm:t>
+        <a:bodyPr/>
+        <a:lstStyle/>
+        <a:p>
+          <a:endParaRPr lang="es-ES"/>
+        </a:p>
+      </dgm:t>
     </dgm:pt>
   </dgm:ptLst>
   <dgm:cxnLst>
+    <dgm:cxn modelId="{0F2811BB-815A-46F3-80E3-19F98ACBC8BD}" type="presOf" srcId="{8759F69D-C19C-4881-9B39-4CF7B0B813B3}" destId="{D626C018-E2CB-4EB2-BB61-BAF330B89C39}" srcOrd="0" destOrd="0" presId="urn:microsoft.com/office/officeart/2005/8/layout/vList2"/>
+    <dgm:cxn modelId="{189AE0FB-DEFA-4F82-9DE0-800CFE746A71}" type="presOf" srcId="{37488892-2E0C-4730-A249-19C15F5A14EE}" destId="{540B47EC-0B2A-42FE-A6D9-0E023B4449F9}" srcOrd="0" destOrd="0" presId="urn:microsoft.com/office/officeart/2005/8/layout/vList2"/>
     <dgm:cxn modelId="{11FFD23B-BF37-47C9-B9EB-89A9A947893F}" srcId="{37488892-2E0C-4730-A249-19C15F5A14EE}" destId="{8759F69D-C19C-4881-9B39-4CF7B0B813B3}" srcOrd="2" destOrd="0" parTransId="{124B8F7A-CE24-4D1F-85A3-97E8A2F9B79B}" sibTransId="{E28C0E97-3EE5-4AA4-836A-C52287EF4D65}"/>
     <dgm:cxn modelId="{AE103F4D-9306-447C-85AE-31FEF594A01B}" type="presOf" srcId="{949BDD81-1ECF-46A9-9316-D35335B876B4}" destId="{66DFCE13-3E31-4B9B-8B69-5F8B05D30C38}" srcOrd="0" destOrd="0" presId="urn:microsoft.com/office/officeart/2005/8/layout/vList2"/>
     <dgm:cxn modelId="{0DDFB08D-41D3-4BD7-A54C-906707706797}" srcId="{37488892-2E0C-4730-A249-19C15F5A14EE}" destId="{60515A7D-0FA1-4DFD-B033-273903FA6F63}" srcOrd="3" destOrd="0" parTransId="{BE990DEB-C4AC-44AA-B018-ADABDD36DFB4}" sibTransId="{8EF11CDC-8B0A-49F9-9340-04410A1CFFEA}"/>
-    <dgm:cxn modelId="{0F2811BB-815A-46F3-80E3-19F98ACBC8BD}" type="presOf" srcId="{8759F69D-C19C-4881-9B39-4CF7B0B813B3}" destId="{D626C018-E2CB-4EB2-BB61-BAF330B89C39}" srcOrd="0" destOrd="0" presId="urn:microsoft.com/office/officeart/2005/8/layout/vList2"/>
+    <dgm:cxn modelId="{A1D315F4-F5E4-4655-85F4-04B65D0511C7}" srcId="{37488892-2E0C-4730-A249-19C15F5A14EE}" destId="{BD1980BB-2A08-49D7-917C-7B36593046D2}" srcOrd="0" destOrd="0" parTransId="{D3C024A6-9E72-42F8-A503-8303482E12F0}" sibTransId="{B982794B-B949-4F10-A68A-4799E779F11B}"/>
     <dgm:cxn modelId="{1788B8D6-A1A8-4151-963B-B71AFE9F5395}" srcId="{37488892-2E0C-4730-A249-19C15F5A14EE}" destId="{949BDD81-1ECF-46A9-9316-D35335B876B4}" srcOrd="1" destOrd="0" parTransId="{2123E41B-57AC-4363-BC4F-4F70D142B772}" sibTransId="{3BC09842-B6C3-42C0-B291-156C670A2912}"/>
+    <dgm:cxn modelId="{CD0040F8-B314-4808-B3C0-AECBCA84089F}" type="presOf" srcId="{BD1980BB-2A08-49D7-917C-7B36593046D2}" destId="{9C296CCC-8A34-415B-9EFB-C1604EA294DC}" srcOrd="0" destOrd="0" presId="urn:microsoft.com/office/officeart/2005/8/layout/vList2"/>
     <dgm:cxn modelId="{327FCDF1-D045-49D2-AF68-7B31BCB0E102}" type="presOf" srcId="{60515A7D-0FA1-4DFD-B033-273903FA6F63}" destId="{0390F127-E673-4294-BFF6-99C1126BA8ED}" srcOrd="0" destOrd="0" presId="urn:microsoft.com/office/officeart/2005/8/layout/vList2"/>
-    <dgm:cxn modelId="{A1D315F4-F5E4-4655-85F4-04B65D0511C7}" srcId="{37488892-2E0C-4730-A249-19C15F5A14EE}" destId="{BD1980BB-2A08-49D7-917C-7B36593046D2}" srcOrd="0" destOrd="0" parTransId="{D3C024A6-9E72-42F8-A503-8303482E12F0}" sibTransId="{B982794B-B949-4F10-A68A-4799E779F11B}"/>
-    <dgm:cxn modelId="{CD0040F8-B314-4808-B3C0-AECBCA84089F}" type="presOf" srcId="{BD1980BB-2A08-49D7-917C-7B36593046D2}" destId="{9C296CCC-8A34-415B-9EFB-C1604EA294DC}" srcOrd="0" destOrd="0" presId="urn:microsoft.com/office/officeart/2005/8/layout/vList2"/>
-    <dgm:cxn modelId="{189AE0FB-DEFA-4F82-9DE0-800CFE746A71}" type="presOf" srcId="{37488892-2E0C-4730-A249-19C15F5A14EE}" destId="{540B47EC-0B2A-42FE-A6D9-0E023B4449F9}" srcOrd="0" destOrd="0" presId="urn:microsoft.com/office/officeart/2005/8/layout/vList2"/>
     <dgm:cxn modelId="{62A4B92A-D2E6-4A17-9A39-51CC1C99AB83}" type="presParOf" srcId="{540B47EC-0B2A-42FE-A6D9-0E023B4449F9}" destId="{9C296CCC-8A34-415B-9EFB-C1604EA294DC}" srcOrd="0" destOrd="0" presId="urn:microsoft.com/office/officeart/2005/8/layout/vList2"/>
     <dgm:cxn modelId="{CF92723C-BAC3-4AE7-9BFB-293F75EB231C}" type="presParOf" srcId="{540B47EC-0B2A-42FE-A6D9-0E023B4449F9}" destId="{6BC71E4A-323F-4B98-9C5A-ED53B0474219}" srcOrd="1" destOrd="0" presId="urn:microsoft.com/office/officeart/2005/8/layout/vList2"/>
     <dgm:cxn modelId="{FB1D9E1A-9829-4BEA-AB3A-BED362DC9092}" type="presParOf" srcId="{540B47EC-0B2A-42FE-A6D9-0E023B4449F9}" destId="{66DFCE13-3E31-4B9B-8B69-5F8B05D30C38}" srcOrd="2" destOrd="0" presId="urn:microsoft.com/office/officeart/2005/8/layout/vList2"/>
@@ -4395,6 +4437,13 @@
     <dgm:pt modelId="{10212AEE-DF0A-4885-ABCB-10E99850DD87}" type="pres">
       <dgm:prSet presAssocID="{79DBD263-96CD-4E11-8CB8-B54CCF056639}" presName="bkgdShape" presStyleLbl="node1" presStyleIdx="0" presStyleCnt="3"/>
       <dgm:spPr/>
+      <dgm:t>
+        <a:bodyPr/>
+        <a:lstStyle/>
+        <a:p>
+          <a:endParaRPr lang="es-ES"/>
+        </a:p>
+      </dgm:t>
     </dgm:pt>
     <dgm:pt modelId="{6C7C9984-663E-4CD8-A678-69E2F437686A}" type="pres">
       <dgm:prSet presAssocID="{79DBD263-96CD-4E11-8CB8-B54CCF056639}" presName="nodeTx" presStyleLbl="node1" presStyleIdx="0" presStyleCnt="3">
@@ -4403,6 +4452,13 @@
         </dgm:presLayoutVars>
       </dgm:prSet>
       <dgm:spPr/>
+      <dgm:t>
+        <a:bodyPr/>
+        <a:lstStyle/>
+        <a:p>
+          <a:endParaRPr lang="es-ES"/>
+        </a:p>
+      </dgm:t>
     </dgm:pt>
     <dgm:pt modelId="{6D38BD0F-87DD-4729-A256-4DE29268D18B}" type="pres">
       <dgm:prSet presAssocID="{79DBD263-96CD-4E11-8CB8-B54CCF056639}" presName="invisiNode" presStyleLbl="node1" presStyleIdx="0" presStyleCnt="3"/>
@@ -4415,6 +4471,13 @@
     <dgm:pt modelId="{E13EB084-BDBD-44EF-BB20-29DBD199BA6B}" type="pres">
       <dgm:prSet presAssocID="{EFDB7ED8-F042-4B13-B249-A33A94013922}" presName="sibTrans" presStyleLbl="sibTrans2D1" presStyleIdx="0" presStyleCnt="0"/>
       <dgm:spPr/>
+      <dgm:t>
+        <a:bodyPr/>
+        <a:lstStyle/>
+        <a:p>
+          <a:endParaRPr lang="es-ES"/>
+        </a:p>
+      </dgm:t>
     </dgm:pt>
     <dgm:pt modelId="{E102DCA7-05FE-493A-A5F4-216C0AEA19BB}" type="pres">
       <dgm:prSet presAssocID="{D69D8CFE-EA7C-4BFC-9D07-151E3D7C71B0}" presName="compNode" presStyleCnt="0"/>
@@ -4423,6 +4486,13 @@
     <dgm:pt modelId="{EE26CAC7-32B7-4B05-ABE3-682E2FF23531}" type="pres">
       <dgm:prSet presAssocID="{D69D8CFE-EA7C-4BFC-9D07-151E3D7C71B0}" presName="bkgdShape" presStyleLbl="node1" presStyleIdx="1" presStyleCnt="3"/>
       <dgm:spPr/>
+      <dgm:t>
+        <a:bodyPr/>
+        <a:lstStyle/>
+        <a:p>
+          <a:endParaRPr lang="es-ES"/>
+        </a:p>
+      </dgm:t>
     </dgm:pt>
     <dgm:pt modelId="{7633E7FB-8332-4BA7-9C9D-ACBFFA360FE2}" type="pres">
       <dgm:prSet presAssocID="{D69D8CFE-EA7C-4BFC-9D07-151E3D7C71B0}" presName="nodeTx" presStyleLbl="node1" presStyleIdx="1" presStyleCnt="3">
@@ -4431,6 +4501,13 @@
         </dgm:presLayoutVars>
       </dgm:prSet>
       <dgm:spPr/>
+      <dgm:t>
+        <a:bodyPr/>
+        <a:lstStyle/>
+        <a:p>
+          <a:endParaRPr lang="es-ES"/>
+        </a:p>
+      </dgm:t>
     </dgm:pt>
     <dgm:pt modelId="{1779EE82-6A38-4B68-A6C8-F08AAC3AB2E6}" type="pres">
       <dgm:prSet presAssocID="{D69D8CFE-EA7C-4BFC-9D07-151E3D7C71B0}" presName="invisiNode" presStyleLbl="node1" presStyleIdx="1" presStyleCnt="3"/>
@@ -4443,6 +4520,13 @@
     <dgm:pt modelId="{EDC9CB18-6E21-41F1-9341-790051BF1498}" type="pres">
       <dgm:prSet presAssocID="{13BABB87-9021-4DAA-869A-A06E3F5BC3A6}" presName="sibTrans" presStyleLbl="sibTrans2D1" presStyleIdx="0" presStyleCnt="0"/>
       <dgm:spPr/>
+      <dgm:t>
+        <a:bodyPr/>
+        <a:lstStyle/>
+        <a:p>
+          <a:endParaRPr lang="es-ES"/>
+        </a:p>
+      </dgm:t>
     </dgm:pt>
     <dgm:pt modelId="{A2C6D29D-4C9A-4094-B492-6D31D0D7BBDF}" type="pres">
       <dgm:prSet presAssocID="{A23349FD-6983-44AC-8D2A-C36649F0294A}" presName="compNode" presStyleCnt="0"/>
@@ -4451,6 +4535,13 @@
     <dgm:pt modelId="{D7DE4CAA-5722-47EF-9FB1-6E74A0401C2B}" type="pres">
       <dgm:prSet presAssocID="{A23349FD-6983-44AC-8D2A-C36649F0294A}" presName="bkgdShape" presStyleLbl="node1" presStyleIdx="2" presStyleCnt="3"/>
       <dgm:spPr/>
+      <dgm:t>
+        <a:bodyPr/>
+        <a:lstStyle/>
+        <a:p>
+          <a:endParaRPr lang="es-ES"/>
+        </a:p>
+      </dgm:t>
     </dgm:pt>
     <dgm:pt modelId="{A0577280-E63B-4ECA-A281-D4A0829A62F6}" type="pres">
       <dgm:prSet presAssocID="{A23349FD-6983-44AC-8D2A-C36649F0294A}" presName="nodeTx" presStyleLbl="node1" presStyleIdx="2" presStyleCnt="3">
@@ -4459,6 +4550,13 @@
         </dgm:presLayoutVars>
       </dgm:prSet>
       <dgm:spPr/>
+      <dgm:t>
+        <a:bodyPr/>
+        <a:lstStyle/>
+        <a:p>
+          <a:endParaRPr lang="es-ES"/>
+        </a:p>
+      </dgm:t>
     </dgm:pt>
     <dgm:pt modelId="{EE207077-C670-4595-820D-1C7279A0F2E5}" type="pres">
       <dgm:prSet presAssocID="{A23349FD-6983-44AC-8D2A-C36649F0294A}" presName="invisiNode" presStyleLbl="node1" presStyleIdx="2" presStyleCnt="3"/>
@@ -4470,18 +4568,18 @@
     </dgm:pt>
   </dgm:ptLst>
   <dgm:cxnLst>
-    <dgm:cxn modelId="{21056629-5117-4213-A395-AF21B18ACAA5}" type="presOf" srcId="{79DBD263-96CD-4E11-8CB8-B54CCF056639}" destId="{6C7C9984-663E-4CD8-A678-69E2F437686A}" srcOrd="1" destOrd="0" presId="urn:microsoft.com/office/officeart/2005/8/layout/hList7"/>
     <dgm:cxn modelId="{EC227C40-C757-420D-B98F-2AA6BCCEFECC}" type="presOf" srcId="{3FBA0D2D-8283-44F5-9357-191A2CBEDFAE}" destId="{05610FB0-DAA4-4E0D-AB63-84A388F640BA}" srcOrd="0" destOrd="0" presId="urn:microsoft.com/office/officeart/2005/8/layout/hList7"/>
     <dgm:cxn modelId="{0330B064-A624-4AAA-839D-286720642735}" type="presOf" srcId="{A23349FD-6983-44AC-8D2A-C36649F0294A}" destId="{D7DE4CAA-5722-47EF-9FB1-6E74A0401C2B}" srcOrd="0" destOrd="0" presId="urn:microsoft.com/office/officeart/2005/8/layout/hList7"/>
+    <dgm:cxn modelId="{B9B8FB71-6C2B-4BA1-AF3F-9F2C13BCBFE2}" type="presOf" srcId="{13BABB87-9021-4DAA-869A-A06E3F5BC3A6}" destId="{EDC9CB18-6E21-41F1-9341-790051BF1498}" srcOrd="0" destOrd="0" presId="urn:microsoft.com/office/officeart/2005/8/layout/hList7"/>
     <dgm:cxn modelId="{10EF3746-E976-473D-8E17-15C2FB2CCAF8}" type="presOf" srcId="{A23349FD-6983-44AC-8D2A-C36649F0294A}" destId="{A0577280-E63B-4ECA-A281-D4A0829A62F6}" srcOrd="1" destOrd="0" presId="urn:microsoft.com/office/officeart/2005/8/layout/hList7"/>
+    <dgm:cxn modelId="{04643086-FC05-4FF2-88D9-A764675CF7E5}" type="presOf" srcId="{79DBD263-96CD-4E11-8CB8-B54CCF056639}" destId="{10212AEE-DF0A-4885-ABCB-10E99850DD87}" srcOrd="0" destOrd="0" presId="urn:microsoft.com/office/officeart/2005/8/layout/hList7"/>
+    <dgm:cxn modelId="{21056629-5117-4213-A395-AF21B18ACAA5}" type="presOf" srcId="{79DBD263-96CD-4E11-8CB8-B54CCF056639}" destId="{6C7C9984-663E-4CD8-A678-69E2F437686A}" srcOrd="1" destOrd="0" presId="urn:microsoft.com/office/officeart/2005/8/layout/hList7"/>
+    <dgm:cxn modelId="{B02334EE-C2F7-420B-82E5-8CF0BB1637AE}" srcId="{3FBA0D2D-8283-44F5-9357-191A2CBEDFAE}" destId="{A23349FD-6983-44AC-8D2A-C36649F0294A}" srcOrd="2" destOrd="0" parTransId="{1960C634-94AF-434C-80E6-F7AF5A08C1C9}" sibTransId="{36FC367A-50E9-4E32-89EB-5A4E1B606FE6}"/>
+    <dgm:cxn modelId="{DCC364E9-671B-441C-862D-123874D769CA}" type="presOf" srcId="{EFDB7ED8-F042-4B13-B249-A33A94013922}" destId="{E13EB084-BDBD-44EF-BB20-29DBD199BA6B}" srcOrd="0" destOrd="0" presId="urn:microsoft.com/office/officeart/2005/8/layout/hList7"/>
     <dgm:cxn modelId="{A1F2FF4C-D5B8-4DA9-A8D7-6DCA17656649}" srcId="{3FBA0D2D-8283-44F5-9357-191A2CBEDFAE}" destId="{79DBD263-96CD-4E11-8CB8-B54CCF056639}" srcOrd="0" destOrd="0" parTransId="{A27A4DC0-1C54-4D5C-BE38-C15A9D61054C}" sibTransId="{EFDB7ED8-F042-4B13-B249-A33A94013922}"/>
-    <dgm:cxn modelId="{B9B8FB71-6C2B-4BA1-AF3F-9F2C13BCBFE2}" type="presOf" srcId="{13BABB87-9021-4DAA-869A-A06E3F5BC3A6}" destId="{EDC9CB18-6E21-41F1-9341-790051BF1498}" srcOrd="0" destOrd="0" presId="urn:microsoft.com/office/officeart/2005/8/layout/hList7"/>
-    <dgm:cxn modelId="{04643086-FC05-4FF2-88D9-A764675CF7E5}" type="presOf" srcId="{79DBD263-96CD-4E11-8CB8-B54CCF056639}" destId="{10212AEE-DF0A-4885-ABCB-10E99850DD87}" srcOrd="0" destOrd="0" presId="urn:microsoft.com/office/officeart/2005/8/layout/hList7"/>
+    <dgm:cxn modelId="{546182D3-5FBA-4F28-B39E-5E48338364B6}" srcId="{3FBA0D2D-8283-44F5-9357-191A2CBEDFAE}" destId="{D69D8CFE-EA7C-4BFC-9D07-151E3D7C71B0}" srcOrd="1" destOrd="0" parTransId="{B0B9BC71-817D-47AE-A3F8-251FE043E202}" sibTransId="{13BABB87-9021-4DAA-869A-A06E3F5BC3A6}"/>
+    <dgm:cxn modelId="{F3A3C798-B2CD-463D-B306-393AA9AE2D8C}" type="presOf" srcId="{D69D8CFE-EA7C-4BFC-9D07-151E3D7C71B0}" destId="{EE26CAC7-32B7-4B05-ABE3-682E2FF23531}" srcOrd="0" destOrd="0" presId="urn:microsoft.com/office/officeart/2005/8/layout/hList7"/>
     <dgm:cxn modelId="{D3EB9D8D-6832-45E7-9568-0CE0C5C40ED4}" type="presOf" srcId="{D69D8CFE-EA7C-4BFC-9D07-151E3D7C71B0}" destId="{7633E7FB-8332-4BA7-9C9D-ACBFFA360FE2}" srcOrd="1" destOrd="0" presId="urn:microsoft.com/office/officeart/2005/8/layout/hList7"/>
-    <dgm:cxn modelId="{F3A3C798-B2CD-463D-B306-393AA9AE2D8C}" type="presOf" srcId="{D69D8CFE-EA7C-4BFC-9D07-151E3D7C71B0}" destId="{EE26CAC7-32B7-4B05-ABE3-682E2FF23531}" srcOrd="0" destOrd="0" presId="urn:microsoft.com/office/officeart/2005/8/layout/hList7"/>
-    <dgm:cxn modelId="{546182D3-5FBA-4F28-B39E-5E48338364B6}" srcId="{3FBA0D2D-8283-44F5-9357-191A2CBEDFAE}" destId="{D69D8CFE-EA7C-4BFC-9D07-151E3D7C71B0}" srcOrd="1" destOrd="0" parTransId="{B0B9BC71-817D-47AE-A3F8-251FE043E202}" sibTransId="{13BABB87-9021-4DAA-869A-A06E3F5BC3A6}"/>
-    <dgm:cxn modelId="{DCC364E9-671B-441C-862D-123874D769CA}" type="presOf" srcId="{EFDB7ED8-F042-4B13-B249-A33A94013922}" destId="{E13EB084-BDBD-44EF-BB20-29DBD199BA6B}" srcOrd="0" destOrd="0" presId="urn:microsoft.com/office/officeart/2005/8/layout/hList7"/>
-    <dgm:cxn modelId="{B02334EE-C2F7-420B-82E5-8CF0BB1637AE}" srcId="{3FBA0D2D-8283-44F5-9357-191A2CBEDFAE}" destId="{A23349FD-6983-44AC-8D2A-C36649F0294A}" srcOrd="2" destOrd="0" parTransId="{1960C634-94AF-434C-80E6-F7AF5A08C1C9}" sibTransId="{36FC367A-50E9-4E32-89EB-5A4E1B606FE6}"/>
     <dgm:cxn modelId="{47BD6F4B-C86E-4A2B-9130-78A1DC792E89}" type="presParOf" srcId="{05610FB0-DAA4-4E0D-AB63-84A388F640BA}" destId="{C6C7EE02-AAA8-4935-868C-CB238AFA6EE5}" srcOrd="0" destOrd="0" presId="urn:microsoft.com/office/officeart/2005/8/layout/hList7"/>
     <dgm:cxn modelId="{FDDF4917-E601-45A3-B86F-70C855F33E9D}" type="presParOf" srcId="{05610FB0-DAA4-4E0D-AB63-84A388F640BA}" destId="{20F42C15-7D2E-49DF-930E-DDE6F087A515}" srcOrd="1" destOrd="0" presId="urn:microsoft.com/office/officeart/2005/8/layout/hList7"/>
     <dgm:cxn modelId="{A32D2784-373E-419E-BF1A-9DF6BA98A15A}" type="presParOf" srcId="{20F42C15-7D2E-49DF-930E-DDE6F087A515}" destId="{5BC4E33D-B6D4-4C9D-B155-41458D221915}" srcOrd="0" destOrd="0" presId="urn:microsoft.com/office/officeart/2005/8/layout/hList7"/>
@@ -4699,6 +4797,13 @@
         </dgm:presLayoutVars>
       </dgm:prSet>
       <dgm:spPr/>
+      <dgm:t>
+        <a:bodyPr/>
+        <a:lstStyle/>
+        <a:p>
+          <a:endParaRPr lang="es-ES"/>
+        </a:p>
+      </dgm:t>
     </dgm:pt>
     <dgm:pt modelId="{4CAC55D0-B653-4A32-8E21-71577F0AFBEC}" type="pres">
       <dgm:prSet presAssocID="{725F93BE-F6D8-4637-99CD-BBFE11CC251D}" presName="cycle" presStyleCnt="0"/>
@@ -4711,10 +4816,24 @@
         </dgm:presLayoutVars>
       </dgm:prSet>
       <dgm:spPr/>
+      <dgm:t>
+        <a:bodyPr/>
+        <a:lstStyle/>
+        <a:p>
+          <a:endParaRPr lang="es-ES"/>
+        </a:p>
+      </dgm:t>
     </dgm:pt>
     <dgm:pt modelId="{7175E22D-D890-43FF-B12A-C518C6EE9249}" type="pres">
       <dgm:prSet presAssocID="{8D8B9CBA-3097-4B3C-A784-B7CE93AC28FC}" presName="sibTransFirstNode" presStyleLbl="bgShp" presStyleIdx="0" presStyleCnt="1" custScaleX="74346" custScaleY="66031" custLinFactNeighborX="-16144" custLinFactNeighborY="-15714"/>
       <dgm:spPr/>
+      <dgm:t>
+        <a:bodyPr/>
+        <a:lstStyle/>
+        <a:p>
+          <a:endParaRPr lang="es-ES"/>
+        </a:p>
+      </dgm:t>
     </dgm:pt>
     <dgm:pt modelId="{BFFFB2A7-4007-463E-9249-653AF3C1FDE6}" type="pres">
       <dgm:prSet presAssocID="{63F31730-0ADC-4C1D-8C1C-C7785AC13167}" presName="nodeFollowingNodes" presStyleLbl="node1" presStyleIdx="1" presStyleCnt="5">
@@ -4723,6 +4842,13 @@
         </dgm:presLayoutVars>
       </dgm:prSet>
       <dgm:spPr/>
+      <dgm:t>
+        <a:bodyPr/>
+        <a:lstStyle/>
+        <a:p>
+          <a:endParaRPr lang="es-ES"/>
+        </a:p>
+      </dgm:t>
     </dgm:pt>
     <dgm:pt modelId="{D83E7A81-18F6-4F0C-8CBD-2027CD5C1A2E}" type="pres">
       <dgm:prSet presAssocID="{D8649AF0-5A6C-478D-9917-77167154F979}" presName="nodeFollowingNodes" presStyleLbl="node1" presStyleIdx="2" presStyleCnt="5">
@@ -4731,6 +4857,13 @@
         </dgm:presLayoutVars>
       </dgm:prSet>
       <dgm:spPr/>
+      <dgm:t>
+        <a:bodyPr/>
+        <a:lstStyle/>
+        <a:p>
+          <a:endParaRPr lang="es-ES"/>
+        </a:p>
+      </dgm:t>
     </dgm:pt>
     <dgm:pt modelId="{4FCE44CA-1573-408F-B69F-920F032E2936}" type="pres">
       <dgm:prSet presAssocID="{7F33A552-F012-4C5E-9938-9B350362C9F8}" presName="nodeFollowingNodes" presStyleLbl="node1" presStyleIdx="3" presStyleCnt="5">
@@ -4739,6 +4872,13 @@
         </dgm:presLayoutVars>
       </dgm:prSet>
       <dgm:spPr/>
+      <dgm:t>
+        <a:bodyPr/>
+        <a:lstStyle/>
+        <a:p>
+          <a:endParaRPr lang="es-ES"/>
+        </a:p>
+      </dgm:t>
     </dgm:pt>
     <dgm:pt modelId="{C216551D-5F77-46CF-B292-EDDBB7586FF3}" type="pres">
       <dgm:prSet presAssocID="{CEBB8C04-8DAF-48A6-BEFE-41011AD955FC}" presName="nodeFollowingNodes" presStyleLbl="node1" presStyleIdx="4" presStyleCnt="5">
@@ -4747,20 +4887,27 @@
         </dgm:presLayoutVars>
       </dgm:prSet>
       <dgm:spPr/>
+      <dgm:t>
+        <a:bodyPr/>
+        <a:lstStyle/>
+        <a:p>
+          <a:endParaRPr lang="es-ES"/>
+        </a:p>
+      </dgm:t>
     </dgm:pt>
   </dgm:ptLst>
   <dgm:cxnLst>
     <dgm:cxn modelId="{6F4F5507-EAB2-4E12-8EB3-038126F72822}" type="presOf" srcId="{725F93BE-F6D8-4637-99CD-BBFE11CC251D}" destId="{F733E903-C9F6-40EA-ADAC-D64BC4E5C85A}" srcOrd="0" destOrd="0" presId="urn:microsoft.com/office/officeart/2005/8/layout/cycle3"/>
     <dgm:cxn modelId="{7D627516-BCA4-4F76-A7FC-09E2F3562EE7}" type="presOf" srcId="{CEBB8C04-8DAF-48A6-BEFE-41011AD955FC}" destId="{C216551D-5F77-46CF-B292-EDDBB7586FF3}" srcOrd="0" destOrd="0" presId="urn:microsoft.com/office/officeart/2005/8/layout/cycle3"/>
-    <dgm:cxn modelId="{B0E09B1C-3DE6-4F0C-A9CD-6CCC82F3D098}" srcId="{725F93BE-F6D8-4637-99CD-BBFE11CC251D}" destId="{D8649AF0-5A6C-478D-9917-77167154F979}" srcOrd="2" destOrd="0" parTransId="{51405BFB-AF18-48E5-84DA-CAD55CF1E2AB}" sibTransId="{E9CB3277-A689-4A9E-922A-E8EB60C5F559}"/>
+    <dgm:cxn modelId="{516D87A7-9837-4FA5-A536-92D277A89E6C}" type="presOf" srcId="{63F31730-0ADC-4C1D-8C1C-C7785AC13167}" destId="{BFFFB2A7-4007-463E-9249-653AF3C1FDE6}" srcOrd="0" destOrd="0" presId="urn:microsoft.com/office/officeart/2005/8/layout/cycle3"/>
+    <dgm:cxn modelId="{FE991D42-514E-4934-9A63-0B865775C3EF}" srcId="{725F93BE-F6D8-4637-99CD-BBFE11CC251D}" destId="{63F31730-0ADC-4C1D-8C1C-C7785AC13167}" srcOrd="1" destOrd="0" parTransId="{ABB9EB9A-9006-40CA-BCF1-61B7BD650F98}" sibTransId="{A24FA37F-25D9-4B97-A5D1-B22B4DDBBE2E}"/>
+    <dgm:cxn modelId="{3309AED7-AEA2-4EAB-B0D3-E2F797842748}" type="presOf" srcId="{7F33A552-F012-4C5E-9938-9B350362C9F8}" destId="{4FCE44CA-1573-408F-B69F-920F032E2936}" srcOrd="0" destOrd="0" presId="urn:microsoft.com/office/officeart/2005/8/layout/cycle3"/>
     <dgm:cxn modelId="{A49E5928-7C34-4CFC-B156-942B13B18E06}" type="presOf" srcId="{D8649AF0-5A6C-478D-9917-77167154F979}" destId="{D83E7A81-18F6-4F0C-8CBD-2027CD5C1A2E}" srcOrd="0" destOrd="0" presId="urn:microsoft.com/office/officeart/2005/8/layout/cycle3"/>
     <dgm:cxn modelId="{55126960-27CB-4AF7-9ED6-23DD26D57322}" srcId="{725F93BE-F6D8-4637-99CD-BBFE11CC251D}" destId="{7F33A552-F012-4C5E-9938-9B350362C9F8}" srcOrd="3" destOrd="0" parTransId="{EBE4D0DA-1CCE-4707-90D7-889D440F9783}" sibTransId="{F2FE09F5-386B-4CA0-9444-4C9AED11B308}"/>
-    <dgm:cxn modelId="{FE991D42-514E-4934-9A63-0B865775C3EF}" srcId="{725F93BE-F6D8-4637-99CD-BBFE11CC251D}" destId="{63F31730-0ADC-4C1D-8C1C-C7785AC13167}" srcOrd="1" destOrd="0" parTransId="{ABB9EB9A-9006-40CA-BCF1-61B7BD650F98}" sibTransId="{A24FA37F-25D9-4B97-A5D1-B22B4DDBBE2E}"/>
     <dgm:cxn modelId="{EBB0DF76-EC83-4E6B-B23F-BCB8C9161926}" type="presOf" srcId="{8D8B9CBA-3097-4B3C-A784-B7CE93AC28FC}" destId="{7175E22D-D890-43FF-B12A-C518C6EE9249}" srcOrd="0" destOrd="0" presId="urn:microsoft.com/office/officeart/2005/8/layout/cycle3"/>
-    <dgm:cxn modelId="{516D87A7-9837-4FA5-A536-92D277A89E6C}" type="presOf" srcId="{63F31730-0ADC-4C1D-8C1C-C7785AC13167}" destId="{BFFFB2A7-4007-463E-9249-653AF3C1FDE6}" srcOrd="0" destOrd="0" presId="urn:microsoft.com/office/officeart/2005/8/layout/cycle3"/>
+    <dgm:cxn modelId="{6490CAB8-B6FA-4864-ACE6-15CDA9EED43D}" srcId="{725F93BE-F6D8-4637-99CD-BBFE11CC251D}" destId="{CEBB8C04-8DAF-48A6-BEFE-41011AD955FC}" srcOrd="4" destOrd="0" parTransId="{3BA82FC1-360A-4E8D-AE43-CD83E01BC3D2}" sibTransId="{A10E88AC-32EB-4AF6-94F0-68D74AEA8C69}"/>
     <dgm:cxn modelId="{C07AC3A7-66CA-4827-99DF-B86EA02BFB90}" type="presOf" srcId="{93FC001D-461F-46B0-9FEA-29891CE105E5}" destId="{907D9F6F-19FC-4D24-A242-36B23C29C481}" srcOrd="0" destOrd="0" presId="urn:microsoft.com/office/officeart/2005/8/layout/cycle3"/>
-    <dgm:cxn modelId="{6490CAB8-B6FA-4864-ACE6-15CDA9EED43D}" srcId="{725F93BE-F6D8-4637-99CD-BBFE11CC251D}" destId="{CEBB8C04-8DAF-48A6-BEFE-41011AD955FC}" srcOrd="4" destOrd="0" parTransId="{3BA82FC1-360A-4E8D-AE43-CD83E01BC3D2}" sibTransId="{A10E88AC-32EB-4AF6-94F0-68D74AEA8C69}"/>
-    <dgm:cxn modelId="{3309AED7-AEA2-4EAB-B0D3-E2F797842748}" type="presOf" srcId="{7F33A552-F012-4C5E-9938-9B350362C9F8}" destId="{4FCE44CA-1573-408F-B69F-920F032E2936}" srcOrd="0" destOrd="0" presId="urn:microsoft.com/office/officeart/2005/8/layout/cycle3"/>
+    <dgm:cxn modelId="{B0E09B1C-3DE6-4F0C-A9CD-6CCC82F3D098}" srcId="{725F93BE-F6D8-4637-99CD-BBFE11CC251D}" destId="{D8649AF0-5A6C-478D-9917-77167154F979}" srcOrd="2" destOrd="0" parTransId="{51405BFB-AF18-48E5-84DA-CAD55CF1E2AB}" sibTransId="{E9CB3277-A689-4A9E-922A-E8EB60C5F559}"/>
     <dgm:cxn modelId="{658011FF-3372-4D5C-8B84-F5C68EA59C5C}" srcId="{725F93BE-F6D8-4637-99CD-BBFE11CC251D}" destId="{93FC001D-461F-46B0-9FEA-29891CE105E5}" srcOrd="0" destOrd="0" parTransId="{548B2A55-45EB-4D34-B538-52593DDDB015}" sibTransId="{8D8B9CBA-3097-4B3C-A784-B7CE93AC28FC}"/>
     <dgm:cxn modelId="{EFAB3574-822C-431E-9CA3-EE56BE45842B}" type="presParOf" srcId="{F733E903-C9F6-40EA-ADAC-D64BC4E5C85A}" destId="{4CAC55D0-B653-4A32-8E21-71577F0AFBEC}" srcOrd="0" destOrd="0" presId="urn:microsoft.com/office/officeart/2005/8/layout/cycle3"/>
     <dgm:cxn modelId="{14276943-393B-43BC-BDD4-4F91428558E1}" type="presParOf" srcId="{4CAC55D0-B653-4A32-8E21-71577F0AFBEC}" destId="{907D9F6F-19FC-4D24-A242-36B23C29C481}" srcOrd="0" destOrd="0" presId="urn:microsoft.com/office/officeart/2005/8/layout/cycle3"/>
@@ -4838,6 +4985,13 @@
         </dgm:presLayoutVars>
       </dgm:prSet>
       <dgm:spPr/>
+      <dgm:t>
+        <a:bodyPr/>
+        <a:lstStyle/>
+        <a:p>
+          <a:endParaRPr lang="es-ES"/>
+        </a:p>
+      </dgm:t>
     </dgm:pt>
     <dgm:pt modelId="{C2551280-DB2E-406D-8F3A-4DBFEFE273D5}" type="pres">
       <dgm:prSet presAssocID="{0CDEBB87-EF30-4959-9EC1-197137D7DBCC}" presName="root1" presStyleCnt="0"/>
@@ -4850,6 +5004,13 @@
         </dgm:presLayoutVars>
       </dgm:prSet>
       <dgm:spPr/>
+      <dgm:t>
+        <a:bodyPr/>
+        <a:lstStyle/>
+        <a:p>
+          <a:endParaRPr lang="es-ES"/>
+        </a:p>
+      </dgm:t>
     </dgm:pt>
     <dgm:pt modelId="{66C40B85-8A6F-4F64-95B4-A2422E2354A8}" type="pres">
       <dgm:prSet presAssocID="{0CDEBB87-EF30-4959-9EC1-197137D7DBCC}" presName="level2hierChild" presStyleCnt="0"/>
@@ -4857,9 +5018,9 @@
     </dgm:pt>
   </dgm:ptLst>
   <dgm:cxnLst>
+    <dgm:cxn modelId="{63661FC7-D2AE-4C54-96AC-817192C71CA5}" type="presOf" srcId="{F20A748B-C67D-4A12-B31C-05B9EDA154D2}" destId="{D0829DD7-9BBF-43E6-83EE-068EDB943BCC}" srcOrd="0" destOrd="0" presId="urn:microsoft.com/office/officeart/2008/layout/HorizontalMultiLevelHierarchy"/>
     <dgm:cxn modelId="{A5AB6470-690E-4072-A22C-599E75C5BB98}" srcId="{F20A748B-C67D-4A12-B31C-05B9EDA154D2}" destId="{0CDEBB87-EF30-4959-9EC1-197137D7DBCC}" srcOrd="0" destOrd="0" parTransId="{81CB4577-79BA-4506-BEBD-00E90EE58621}" sibTransId="{AFBF306A-0083-4648-AB23-AAA168DE0C5B}"/>
     <dgm:cxn modelId="{AF932FA7-1EF9-4B45-92A8-F8541A7094EE}" type="presOf" srcId="{0CDEBB87-EF30-4959-9EC1-197137D7DBCC}" destId="{7B6F43C2-67AB-4534-A44B-35D7DBCEB01E}" srcOrd="0" destOrd="0" presId="urn:microsoft.com/office/officeart/2008/layout/HorizontalMultiLevelHierarchy"/>
-    <dgm:cxn modelId="{63661FC7-D2AE-4C54-96AC-817192C71CA5}" type="presOf" srcId="{F20A748B-C67D-4A12-B31C-05B9EDA154D2}" destId="{D0829DD7-9BBF-43E6-83EE-068EDB943BCC}" srcOrd="0" destOrd="0" presId="urn:microsoft.com/office/officeart/2008/layout/HorizontalMultiLevelHierarchy"/>
     <dgm:cxn modelId="{34B61F62-CE16-4429-894D-693CCB0F8CFB}" type="presParOf" srcId="{D0829DD7-9BBF-43E6-83EE-068EDB943BCC}" destId="{C2551280-DB2E-406D-8F3A-4DBFEFE273D5}" srcOrd="0" destOrd="0" presId="urn:microsoft.com/office/officeart/2008/layout/HorizontalMultiLevelHierarchy"/>
     <dgm:cxn modelId="{839BCD7C-8F64-41DA-8807-4F92AD9C9E41}" type="presParOf" srcId="{C2551280-DB2E-406D-8F3A-4DBFEFE273D5}" destId="{7B6F43C2-67AB-4534-A44B-35D7DBCEB01E}" srcOrd="0" destOrd="0" presId="urn:microsoft.com/office/officeart/2008/layout/HorizontalMultiLevelHierarchy"/>
     <dgm:cxn modelId="{A7637CC7-24F2-40CC-911B-C7E8790F67DA}" type="presParOf" srcId="{C2551280-DB2E-406D-8F3A-4DBFEFE273D5}" destId="{66C40B85-8A6F-4F64-95B4-A2422E2354A8}" srcOrd="1" destOrd="0" presId="urn:microsoft.com/office/officeart/2008/layout/HorizontalMultiLevelHierarchy"/>
@@ -5061,6 +5222,13 @@
         </dgm:presLayoutVars>
       </dgm:prSet>
       <dgm:spPr/>
+      <dgm:t>
+        <a:bodyPr/>
+        <a:lstStyle/>
+        <a:p>
+          <a:endParaRPr lang="es-ES"/>
+        </a:p>
+      </dgm:t>
     </dgm:pt>
     <dgm:pt modelId="{0C25C567-A48B-453E-8EA5-E1445832826B}" type="pres">
       <dgm:prSet presAssocID="{A94060BF-C866-4EB0-8DA9-612EEE668D82}" presName="dummy" presStyleCnt="0"/>
@@ -5073,10 +5241,24 @@
         </dgm:presLayoutVars>
       </dgm:prSet>
       <dgm:spPr/>
+      <dgm:t>
+        <a:bodyPr/>
+        <a:lstStyle/>
+        <a:p>
+          <a:endParaRPr lang="es-ES"/>
+        </a:p>
+      </dgm:t>
     </dgm:pt>
     <dgm:pt modelId="{9BB77F76-E862-4A0A-9767-96091B3ECA6C}" type="pres">
       <dgm:prSet presAssocID="{37803F7B-C838-4AB4-AF37-5CAB16205C48}" presName="sibTrans" presStyleLbl="node1" presStyleIdx="0" presStyleCnt="5"/>
       <dgm:spPr/>
+      <dgm:t>
+        <a:bodyPr/>
+        <a:lstStyle/>
+        <a:p>
+          <a:endParaRPr lang="es-ES"/>
+        </a:p>
+      </dgm:t>
     </dgm:pt>
     <dgm:pt modelId="{21CCC367-DEB5-42D1-980B-5BB50382D3CE}" type="pres">
       <dgm:prSet presAssocID="{6F7DA93F-6437-4C80-B29B-268541CF3096}" presName="dummy" presStyleCnt="0"/>
@@ -5089,10 +5271,24 @@
         </dgm:presLayoutVars>
       </dgm:prSet>
       <dgm:spPr/>
+      <dgm:t>
+        <a:bodyPr/>
+        <a:lstStyle/>
+        <a:p>
+          <a:endParaRPr lang="es-ES"/>
+        </a:p>
+      </dgm:t>
     </dgm:pt>
     <dgm:pt modelId="{21D3F2DD-15E7-442C-92CF-ED19F61309BD}" type="pres">
       <dgm:prSet presAssocID="{B8AEA4E5-E6E7-49AD-B7EB-6ACC8DE45B03}" presName="sibTrans" presStyleLbl="node1" presStyleIdx="1" presStyleCnt="5"/>
       <dgm:spPr/>
+      <dgm:t>
+        <a:bodyPr/>
+        <a:lstStyle/>
+        <a:p>
+          <a:endParaRPr lang="es-ES"/>
+        </a:p>
+      </dgm:t>
     </dgm:pt>
     <dgm:pt modelId="{D8CE5FD7-E9C3-45A2-BA73-DC27697722B1}" type="pres">
       <dgm:prSet presAssocID="{16FBFD0D-B6C4-4BB6-9D16-1772009B96F2}" presName="dummy" presStyleCnt="0"/>
@@ -5105,10 +5301,24 @@
         </dgm:presLayoutVars>
       </dgm:prSet>
       <dgm:spPr/>
+      <dgm:t>
+        <a:bodyPr/>
+        <a:lstStyle/>
+        <a:p>
+          <a:endParaRPr lang="es-ES"/>
+        </a:p>
+      </dgm:t>
     </dgm:pt>
     <dgm:pt modelId="{7B2AF9F8-F7EA-4EA5-8AEC-17B1A1496AE0}" type="pres">
       <dgm:prSet presAssocID="{27565B9F-7E9F-489F-90E2-0F2EBD4457A6}" presName="sibTrans" presStyleLbl="node1" presStyleIdx="2" presStyleCnt="5"/>
       <dgm:spPr/>
+      <dgm:t>
+        <a:bodyPr/>
+        <a:lstStyle/>
+        <a:p>
+          <a:endParaRPr lang="es-ES"/>
+        </a:p>
+      </dgm:t>
     </dgm:pt>
     <dgm:pt modelId="{6F3D35EB-51A9-4FD9-8222-4C897C293A6C}" type="pres">
       <dgm:prSet presAssocID="{316A8F69-4B6F-4A34-BFD6-219165B05ACC}" presName="dummy" presStyleCnt="0"/>
@@ -5121,10 +5331,24 @@
         </dgm:presLayoutVars>
       </dgm:prSet>
       <dgm:spPr/>
+      <dgm:t>
+        <a:bodyPr/>
+        <a:lstStyle/>
+        <a:p>
+          <a:endParaRPr lang="es-ES"/>
+        </a:p>
+      </dgm:t>
     </dgm:pt>
     <dgm:pt modelId="{5EED954E-A298-4F63-9537-410D36D5B0F9}" type="pres">
       <dgm:prSet presAssocID="{C22FAF52-635D-4CE4-BA24-64B5A6A8D92A}" presName="sibTrans" presStyleLbl="node1" presStyleIdx="3" presStyleCnt="5"/>
       <dgm:spPr/>
+      <dgm:t>
+        <a:bodyPr/>
+        <a:lstStyle/>
+        <a:p>
+          <a:endParaRPr lang="es-ES"/>
+        </a:p>
+      </dgm:t>
     </dgm:pt>
     <dgm:pt modelId="{59D8A476-7FAA-4148-A8FB-4A958E955D43}" type="pres">
       <dgm:prSet presAssocID="{E86B70B5-9582-4759-845E-0B9B1398AA97}" presName="dummy" presStyleCnt="0"/>
@@ -5137,29 +5361,43 @@
         </dgm:presLayoutVars>
       </dgm:prSet>
       <dgm:spPr/>
+      <dgm:t>
+        <a:bodyPr/>
+        <a:lstStyle/>
+        <a:p>
+          <a:endParaRPr lang="es-ES"/>
+        </a:p>
+      </dgm:t>
     </dgm:pt>
     <dgm:pt modelId="{1FAF4677-A21E-406E-99C3-77B6941FFEE4}" type="pres">
       <dgm:prSet presAssocID="{FE36CD63-FF96-4960-B159-808F0641E48C}" presName="sibTrans" presStyleLbl="node1" presStyleIdx="4" presStyleCnt="5"/>
       <dgm:spPr/>
+      <dgm:t>
+        <a:bodyPr/>
+        <a:lstStyle/>
+        <a:p>
+          <a:endParaRPr lang="es-ES"/>
+        </a:p>
+      </dgm:t>
     </dgm:pt>
   </dgm:ptLst>
   <dgm:cxnLst>
-    <dgm:cxn modelId="{4DABEE2D-2FC0-417A-AAD5-7B32DAD21656}" type="presOf" srcId="{C22FAF52-635D-4CE4-BA24-64B5A6A8D92A}" destId="{5EED954E-A298-4F63-9537-410D36D5B0F9}" srcOrd="0" destOrd="0" presId="urn:microsoft.com/office/officeart/2005/8/layout/cycle1"/>
-    <dgm:cxn modelId="{86B6AB3C-1529-47DC-89DC-0EFE2BE3C236}" type="presOf" srcId="{A94060BF-C866-4EB0-8DA9-612EEE668D82}" destId="{4B2DF32B-FD0E-4850-98CF-43BF603C064C}" srcOrd="0" destOrd="0" presId="urn:microsoft.com/office/officeart/2005/8/layout/cycle1"/>
-    <dgm:cxn modelId="{57DFFE5B-93FE-4415-A140-AD3F99131655}" type="presOf" srcId="{6F7DA93F-6437-4C80-B29B-268541CF3096}" destId="{4B03222A-E9C4-40BB-AAEA-EEBADF2D56E3}" srcOrd="0" destOrd="0" presId="urn:microsoft.com/office/officeart/2005/8/layout/cycle1"/>
-    <dgm:cxn modelId="{33948B5C-CFA2-4203-AAE4-C2F6763B9787}" srcId="{F478E7B7-15B3-4664-8416-235D8DDCA8B6}" destId="{6F7DA93F-6437-4C80-B29B-268541CF3096}" srcOrd="1" destOrd="0" parTransId="{D736BC95-EBA0-4E60-BCCE-7ADA6204DC73}" sibTransId="{B8AEA4E5-E6E7-49AD-B7EB-6ACC8DE45B03}"/>
+    <dgm:cxn modelId="{69F7D36D-B31C-4264-9D67-83C667B527CE}" srcId="{F478E7B7-15B3-4664-8416-235D8DDCA8B6}" destId="{E86B70B5-9582-4759-845E-0B9B1398AA97}" srcOrd="4" destOrd="0" parTransId="{15F8CC00-BBEE-474F-8C1E-B6B149FC5497}" sibTransId="{FE36CD63-FF96-4960-B159-808F0641E48C}"/>
+    <dgm:cxn modelId="{6910BDB1-EDDA-48B9-A264-DAD2FCC60117}" type="presOf" srcId="{E86B70B5-9582-4759-845E-0B9B1398AA97}" destId="{ADB4A84C-45FE-43DF-B88F-5366039FC9CA}" srcOrd="0" destOrd="0" presId="urn:microsoft.com/office/officeart/2005/8/layout/cycle1"/>
+    <dgm:cxn modelId="{5BDC6A9F-606F-45E5-8B32-FCA35ACB89B7}" type="presOf" srcId="{316A8F69-4B6F-4A34-BFD6-219165B05ACC}" destId="{2CA7DA99-9BC7-498B-9698-5A1B9CE7F4E4}" srcOrd="0" destOrd="0" presId="urn:microsoft.com/office/officeart/2005/8/layout/cycle1"/>
     <dgm:cxn modelId="{82FA3246-A093-41C2-8CE9-27C37A703671}" type="presOf" srcId="{B8AEA4E5-E6E7-49AD-B7EB-6ACC8DE45B03}" destId="{21D3F2DD-15E7-442C-92CF-ED19F61309BD}" srcOrd="0" destOrd="0" presId="urn:microsoft.com/office/officeart/2005/8/layout/cycle1"/>
     <dgm:cxn modelId="{6153554A-8564-4D8B-90B7-4A9DF63F3066}" type="presOf" srcId="{FE36CD63-FF96-4960-B159-808F0641E48C}" destId="{1FAF4677-A21E-406E-99C3-77B6941FFEE4}" srcOrd="0" destOrd="0" presId="urn:microsoft.com/office/officeart/2005/8/layout/cycle1"/>
-    <dgm:cxn modelId="{69F7D36D-B31C-4264-9D67-83C667B527CE}" srcId="{F478E7B7-15B3-4664-8416-235D8DDCA8B6}" destId="{E86B70B5-9582-4759-845E-0B9B1398AA97}" srcOrd="4" destOrd="0" parTransId="{15F8CC00-BBEE-474F-8C1E-B6B149FC5497}" sibTransId="{FE36CD63-FF96-4960-B159-808F0641E48C}"/>
+    <dgm:cxn modelId="{86B6AB3C-1529-47DC-89DC-0EFE2BE3C236}" type="presOf" srcId="{A94060BF-C866-4EB0-8DA9-612EEE668D82}" destId="{4B2DF32B-FD0E-4850-98CF-43BF603C064C}" srcOrd="0" destOrd="0" presId="urn:microsoft.com/office/officeart/2005/8/layout/cycle1"/>
+    <dgm:cxn modelId="{4DABEE2D-2FC0-417A-AAD5-7B32DAD21656}" type="presOf" srcId="{C22FAF52-635D-4CE4-BA24-64B5A6A8D92A}" destId="{5EED954E-A298-4F63-9537-410D36D5B0F9}" srcOrd="0" destOrd="0" presId="urn:microsoft.com/office/officeart/2005/8/layout/cycle1"/>
+    <dgm:cxn modelId="{FF5AD2E8-32B5-4B15-89F0-FD3BB90758F2}" srcId="{F478E7B7-15B3-4664-8416-235D8DDCA8B6}" destId="{16FBFD0D-B6C4-4BB6-9D16-1772009B96F2}" srcOrd="2" destOrd="0" parTransId="{28CCAF5F-F326-4C20-BEAF-93064CA7E9C7}" sibTransId="{27565B9F-7E9F-489F-90E2-0F2EBD4457A6}"/>
+    <dgm:cxn modelId="{C43F6EE8-9D72-4207-BF76-E1D5D5559113}" type="presOf" srcId="{27565B9F-7E9F-489F-90E2-0F2EBD4457A6}" destId="{7B2AF9F8-F7EA-4EA5-8AEC-17B1A1496AE0}" srcOrd="0" destOrd="0" presId="urn:microsoft.com/office/officeart/2005/8/layout/cycle1"/>
+    <dgm:cxn modelId="{CDF1CBD1-71F0-49F3-92D8-035357AF4DA3}" type="presOf" srcId="{F478E7B7-15B3-4664-8416-235D8DDCA8B6}" destId="{9A4F8F1D-8C4D-4901-AA48-488919C99017}" srcOrd="0" destOrd="0" presId="urn:microsoft.com/office/officeart/2005/8/layout/cycle1"/>
+    <dgm:cxn modelId="{956ECCA2-8CEC-494C-8756-70C52CFEE574}" type="presOf" srcId="{16FBFD0D-B6C4-4BB6-9D16-1772009B96F2}" destId="{693B3FD0-8DFE-4A07-8B48-E4D7D07528CE}" srcOrd="0" destOrd="0" presId="urn:microsoft.com/office/officeart/2005/8/layout/cycle1"/>
+    <dgm:cxn modelId="{57DFFE5B-93FE-4415-A140-AD3F99131655}" type="presOf" srcId="{6F7DA93F-6437-4C80-B29B-268541CF3096}" destId="{4B03222A-E9C4-40BB-AAEA-EEBADF2D56E3}" srcOrd="0" destOrd="0" presId="urn:microsoft.com/office/officeart/2005/8/layout/cycle1"/>
+    <dgm:cxn modelId="{8B4245A4-C261-44AC-9D32-EECF46EDEF87}" srcId="{F478E7B7-15B3-4664-8416-235D8DDCA8B6}" destId="{316A8F69-4B6F-4A34-BFD6-219165B05ACC}" srcOrd="3" destOrd="0" parTransId="{79553EAD-06C1-41C2-B57B-91C8BD9EB526}" sibTransId="{C22FAF52-635D-4CE4-BA24-64B5A6A8D92A}"/>
     <dgm:cxn modelId="{5E9D6595-BC3F-45E5-BEB1-7982C3E11101}" srcId="{F478E7B7-15B3-4664-8416-235D8DDCA8B6}" destId="{A94060BF-C866-4EB0-8DA9-612EEE668D82}" srcOrd="0" destOrd="0" parTransId="{48818AE2-21E8-40BC-A599-0AA2F51CE48C}" sibTransId="{37803F7B-C838-4AB4-AF37-5CAB16205C48}"/>
-    <dgm:cxn modelId="{5BDC6A9F-606F-45E5-8B32-FCA35ACB89B7}" type="presOf" srcId="{316A8F69-4B6F-4A34-BFD6-219165B05ACC}" destId="{2CA7DA99-9BC7-498B-9698-5A1B9CE7F4E4}" srcOrd="0" destOrd="0" presId="urn:microsoft.com/office/officeart/2005/8/layout/cycle1"/>
     <dgm:cxn modelId="{283674A1-6CAE-4BC2-8743-B9329DC15A33}" type="presOf" srcId="{37803F7B-C838-4AB4-AF37-5CAB16205C48}" destId="{9BB77F76-E862-4A0A-9767-96091B3ECA6C}" srcOrd="0" destOrd="0" presId="urn:microsoft.com/office/officeart/2005/8/layout/cycle1"/>
-    <dgm:cxn modelId="{956ECCA2-8CEC-494C-8756-70C52CFEE574}" type="presOf" srcId="{16FBFD0D-B6C4-4BB6-9D16-1772009B96F2}" destId="{693B3FD0-8DFE-4A07-8B48-E4D7D07528CE}" srcOrd="0" destOrd="0" presId="urn:microsoft.com/office/officeart/2005/8/layout/cycle1"/>
-    <dgm:cxn modelId="{8B4245A4-C261-44AC-9D32-EECF46EDEF87}" srcId="{F478E7B7-15B3-4664-8416-235D8DDCA8B6}" destId="{316A8F69-4B6F-4A34-BFD6-219165B05ACC}" srcOrd="3" destOrd="0" parTransId="{79553EAD-06C1-41C2-B57B-91C8BD9EB526}" sibTransId="{C22FAF52-635D-4CE4-BA24-64B5A6A8D92A}"/>
-    <dgm:cxn modelId="{6910BDB1-EDDA-48B9-A264-DAD2FCC60117}" type="presOf" srcId="{E86B70B5-9582-4759-845E-0B9B1398AA97}" destId="{ADB4A84C-45FE-43DF-B88F-5366039FC9CA}" srcOrd="0" destOrd="0" presId="urn:microsoft.com/office/officeart/2005/8/layout/cycle1"/>
-    <dgm:cxn modelId="{CDF1CBD1-71F0-49F3-92D8-035357AF4DA3}" type="presOf" srcId="{F478E7B7-15B3-4664-8416-235D8DDCA8B6}" destId="{9A4F8F1D-8C4D-4901-AA48-488919C99017}" srcOrd="0" destOrd="0" presId="urn:microsoft.com/office/officeart/2005/8/layout/cycle1"/>
-    <dgm:cxn modelId="{C43F6EE8-9D72-4207-BF76-E1D5D5559113}" type="presOf" srcId="{27565B9F-7E9F-489F-90E2-0F2EBD4457A6}" destId="{7B2AF9F8-F7EA-4EA5-8AEC-17B1A1496AE0}" srcOrd="0" destOrd="0" presId="urn:microsoft.com/office/officeart/2005/8/layout/cycle1"/>
-    <dgm:cxn modelId="{FF5AD2E8-32B5-4B15-89F0-FD3BB90758F2}" srcId="{F478E7B7-15B3-4664-8416-235D8DDCA8B6}" destId="{16FBFD0D-B6C4-4BB6-9D16-1772009B96F2}" srcOrd="2" destOrd="0" parTransId="{28CCAF5F-F326-4C20-BEAF-93064CA7E9C7}" sibTransId="{27565B9F-7E9F-489F-90E2-0F2EBD4457A6}"/>
+    <dgm:cxn modelId="{33948B5C-CFA2-4203-AAE4-C2F6763B9787}" srcId="{F478E7B7-15B3-4664-8416-235D8DDCA8B6}" destId="{6F7DA93F-6437-4C80-B29B-268541CF3096}" srcOrd="1" destOrd="0" parTransId="{D736BC95-EBA0-4E60-BCCE-7ADA6204DC73}" sibTransId="{B8AEA4E5-E6E7-49AD-B7EB-6ACC8DE45B03}"/>
     <dgm:cxn modelId="{4A64EA89-EDCD-4C24-B778-2B45365E6E71}" type="presParOf" srcId="{9A4F8F1D-8C4D-4901-AA48-488919C99017}" destId="{0C25C567-A48B-453E-8EA5-E1445832826B}" srcOrd="0" destOrd="0" presId="urn:microsoft.com/office/officeart/2005/8/layout/cycle1"/>
     <dgm:cxn modelId="{02811D30-29FC-4F94-886F-DF487061A1BD}" type="presParOf" srcId="{9A4F8F1D-8C4D-4901-AA48-488919C99017}" destId="{4B2DF32B-FD0E-4850-98CF-43BF603C064C}" srcOrd="1" destOrd="0" presId="urn:microsoft.com/office/officeart/2005/8/layout/cycle1"/>
     <dgm:cxn modelId="{9F368422-31F9-463B-B330-5F6C1012CA53}" type="presParOf" srcId="{9A4F8F1D-8C4D-4901-AA48-488919C99017}" destId="{9BB77F76-E862-4A0A-9767-96091B3ECA6C}" srcOrd="2" destOrd="0" presId="urn:microsoft.com/office/officeart/2005/8/layout/cycle1"/>
@@ -5279,7 +5517,7 @@
         </a:bodyPr>
         <a:lstStyle/>
         <a:p>
-          <a:pPr marL="0" lvl="0" indent="0" algn="l" defTabSz="2266950">
+          <a:pPr lvl="0" algn="l" defTabSz="2266950">
             <a:lnSpc>
               <a:spcPct val="90000"/>
             </a:lnSpc>
@@ -5289,7 +5527,6 @@
             <a:spcAft>
               <a:spcPct val="35000"/>
             </a:spcAft>
-            <a:buNone/>
           </a:pPr>
           <a:r>
             <a:rPr lang="es-CO" sz="5100" kern="1200" dirty="0"/>
@@ -5387,7 +5624,7 @@
         </a:bodyPr>
         <a:lstStyle/>
         <a:p>
-          <a:pPr marL="0" lvl="0" indent="0" algn="l" defTabSz="2266950">
+          <a:pPr lvl="0" algn="l" defTabSz="2266950">
             <a:lnSpc>
               <a:spcPct val="90000"/>
             </a:lnSpc>
@@ -5397,7 +5634,6 @@
             <a:spcAft>
               <a:spcPct val="35000"/>
             </a:spcAft>
-            <a:buNone/>
           </a:pPr>
           <a:r>
             <a:rPr lang="es-CO" sz="5100" kern="1200" dirty="0"/>
@@ -5417,7 +5653,7 @@
       </dsp:nvSpPr>
       <dsp:spPr>
         <a:xfrm>
-          <a:off x="0" y="2666804"/>
+          <a:off x="0" y="2640678"/>
           <a:ext cx="8128000" cy="1223235"/>
         </a:xfrm>
         <a:prstGeom prst="roundRect">
@@ -5495,7 +5731,7 @@
         </a:bodyPr>
         <a:lstStyle/>
         <a:p>
-          <a:pPr marL="0" lvl="0" indent="0" algn="l" defTabSz="2266950">
+          <a:pPr lvl="0" algn="l" defTabSz="2266950">
             <a:lnSpc>
               <a:spcPct val="90000"/>
             </a:lnSpc>
@@ -5505,7 +5741,6 @@
             <a:spcAft>
               <a:spcPct val="35000"/>
             </a:spcAft>
-            <a:buNone/>
           </a:pPr>
           <a:r>
             <a:rPr lang="es-CO" sz="5100" kern="1200" dirty="0"/>
@@ -5514,7 +5749,7 @@
         </a:p>
       </dsp:txBody>
       <dsp:txXfrm>
-        <a:off x="59713" y="2726517"/>
+        <a:off x="59713" y="2700391"/>
         <a:ext cx="8008574" cy="1103809"/>
       </dsp:txXfrm>
     </dsp:sp>
@@ -5603,7 +5838,7 @@
         </a:bodyPr>
         <a:lstStyle/>
         <a:p>
-          <a:pPr marL="0" lvl="0" indent="0" algn="l" defTabSz="2266950">
+          <a:pPr lvl="0" algn="l" defTabSz="2266950">
             <a:lnSpc>
               <a:spcPct val="90000"/>
             </a:lnSpc>
@@ -5613,7 +5848,6 @@
             <a:spcAft>
               <a:spcPct val="35000"/>
             </a:spcAft>
-            <a:buNone/>
           </a:pPr>
           <a:r>
             <a:rPr lang="es-CO" sz="5100" kern="1200" dirty="0"/>
@@ -5695,7 +5929,7 @@
         </a:bodyPr>
         <a:lstStyle/>
         <a:p>
-          <a:pPr marL="0" lvl="0" indent="0" algn="ctr" defTabSz="2355850">
+          <a:pPr lvl="0" algn="ctr" defTabSz="2355850">
             <a:lnSpc>
               <a:spcPct val="90000"/>
             </a:lnSpc>
@@ -5705,7 +5939,6 @@
             <a:spcAft>
               <a:spcPct val="35000"/>
             </a:spcAft>
-            <a:buNone/>
           </a:pPr>
           <a:endParaRPr lang="es-CO" sz="5300" kern="1200"/>
         </a:p>
@@ -5821,7 +6054,7 @@
         </a:bodyPr>
         <a:lstStyle/>
         <a:p>
-          <a:pPr marL="0" lvl="0" indent="0" algn="ctr" defTabSz="2355850">
+          <a:pPr lvl="0" algn="ctr" defTabSz="2355850">
             <a:lnSpc>
               <a:spcPct val="90000"/>
             </a:lnSpc>
@@ -5831,7 +6064,6 @@
             <a:spcAft>
               <a:spcPct val="35000"/>
             </a:spcAft>
-            <a:buNone/>
           </a:pPr>
           <a:endParaRPr lang="es-CO" sz="5300" kern="1200"/>
         </a:p>
@@ -5947,7 +6179,7 @@
         </a:bodyPr>
         <a:lstStyle/>
         <a:p>
-          <a:pPr marL="0" lvl="0" indent="0" algn="ctr" defTabSz="2355850">
+          <a:pPr lvl="0" algn="ctr" defTabSz="2355850">
             <a:lnSpc>
               <a:spcPct val="90000"/>
             </a:lnSpc>
@@ -5957,7 +6189,6 @@
             <a:spcAft>
               <a:spcPct val="35000"/>
             </a:spcAft>
-            <a:buNone/>
           </a:pPr>
           <a:endParaRPr lang="es-CO" sz="5300" kern="1200"/>
         </a:p>
@@ -6178,7 +6409,7 @@
         </a:bodyPr>
         <a:lstStyle/>
         <a:p>
-          <a:pPr marL="0" lvl="0" indent="0" algn="ctr" defTabSz="2311400">
+          <a:pPr lvl="0" algn="ctr" defTabSz="2311400">
             <a:lnSpc>
               <a:spcPct val="90000"/>
             </a:lnSpc>
@@ -6188,7 +6419,6 @@
             <a:spcAft>
               <a:spcPct val="35000"/>
             </a:spcAft>
-            <a:buNone/>
           </a:pPr>
           <a:endParaRPr lang="es-CO" sz="5200" kern="1200"/>
         </a:p>
@@ -6253,7 +6483,7 @@
         </a:bodyPr>
         <a:lstStyle/>
         <a:p>
-          <a:pPr marL="0" lvl="0" indent="0" algn="ctr" defTabSz="2311400">
+          <a:pPr lvl="0" algn="ctr" defTabSz="2311400">
             <a:lnSpc>
               <a:spcPct val="90000"/>
             </a:lnSpc>
@@ -6263,7 +6493,6 @@
             <a:spcAft>
               <a:spcPct val="35000"/>
             </a:spcAft>
-            <a:buNone/>
           </a:pPr>
           <a:endParaRPr lang="es-CO" sz="5200" kern="1200"/>
         </a:p>
@@ -6328,7 +6557,7 @@
         </a:bodyPr>
         <a:lstStyle/>
         <a:p>
-          <a:pPr marL="0" lvl="0" indent="0" algn="ctr" defTabSz="2311400">
+          <a:pPr lvl="0" algn="ctr" defTabSz="2311400">
             <a:lnSpc>
               <a:spcPct val="90000"/>
             </a:lnSpc>
@@ -6338,7 +6567,6 @@
             <a:spcAft>
               <a:spcPct val="35000"/>
             </a:spcAft>
-            <a:buNone/>
           </a:pPr>
           <a:endParaRPr lang="es-CO" sz="5200" kern="1200"/>
         </a:p>
@@ -6403,7 +6631,7 @@
         </a:bodyPr>
         <a:lstStyle/>
         <a:p>
-          <a:pPr marL="0" lvl="0" indent="0" algn="ctr" defTabSz="2311400">
+          <a:pPr lvl="0" algn="ctr" defTabSz="2311400">
             <a:lnSpc>
               <a:spcPct val="90000"/>
             </a:lnSpc>
@@ -6413,7 +6641,6 @@
             <a:spcAft>
               <a:spcPct val="35000"/>
             </a:spcAft>
-            <a:buNone/>
           </a:pPr>
           <a:endParaRPr lang="es-CO" sz="5200" kern="1200"/>
         </a:p>
@@ -6478,7 +6705,7 @@
         </a:bodyPr>
         <a:lstStyle/>
         <a:p>
-          <a:pPr marL="0" lvl="0" indent="0" algn="ctr" defTabSz="2311400">
+          <a:pPr lvl="0" algn="ctr" defTabSz="2311400">
             <a:lnSpc>
               <a:spcPct val="90000"/>
             </a:lnSpc>
@@ -6488,7 +6715,6 @@
             <a:spcAft>
               <a:spcPct val="35000"/>
             </a:spcAft>
-            <a:buNone/>
           </a:pPr>
           <a:endParaRPr lang="es-CO" sz="5200" kern="1200"/>
         </a:p>
@@ -6592,7 +6818,7 @@
         </a:bodyPr>
         <a:lstStyle/>
         <a:p>
-          <a:pPr marL="0" lvl="0" indent="0" algn="ctr" defTabSz="2889250">
+          <a:pPr lvl="0" algn="ctr" defTabSz="2889250">
             <a:lnSpc>
               <a:spcPct val="90000"/>
             </a:lnSpc>
@@ -6602,7 +6828,6 @@
             <a:spcAft>
               <a:spcPct val="35000"/>
             </a:spcAft>
-            <a:buNone/>
           </a:pPr>
           <a:endParaRPr lang="es-CO" sz="6500" kern="1200" dirty="0"/>
         </a:p>
@@ -6661,7 +6886,7 @@
         </a:bodyPr>
         <a:lstStyle/>
         <a:p>
-          <a:pPr marL="0" lvl="0" indent="0" algn="ctr" defTabSz="1555750">
+          <a:pPr lvl="0" algn="ctr" defTabSz="1555750">
             <a:lnSpc>
               <a:spcPct val="90000"/>
             </a:lnSpc>
@@ -6671,7 +6896,6 @@
             <a:spcAft>
               <a:spcPct val="35000"/>
             </a:spcAft>
-            <a:buNone/>
           </a:pPr>
           <a:endParaRPr lang="es-CO" sz="3500" kern="1200"/>
         </a:p>
@@ -6774,7 +6998,7 @@
         </a:bodyPr>
         <a:lstStyle/>
         <a:p>
-          <a:pPr marL="0" lvl="0" indent="0" algn="ctr" defTabSz="1555750">
+          <a:pPr lvl="0" algn="ctr" defTabSz="1555750">
             <a:lnSpc>
               <a:spcPct val="90000"/>
             </a:lnSpc>
@@ -6784,7 +7008,6 @@
             <a:spcAft>
               <a:spcPct val="35000"/>
             </a:spcAft>
-            <a:buNone/>
           </a:pPr>
           <a:endParaRPr lang="es-CO" sz="3500" kern="1200"/>
         </a:p>
@@ -6887,7 +7110,7 @@
         </a:bodyPr>
         <a:lstStyle/>
         <a:p>
-          <a:pPr marL="0" lvl="0" indent="0" algn="ctr" defTabSz="1555750">
+          <a:pPr lvl="0" algn="ctr" defTabSz="1555750">
             <a:lnSpc>
               <a:spcPct val="90000"/>
             </a:lnSpc>
@@ -6897,7 +7120,6 @@
             <a:spcAft>
               <a:spcPct val="35000"/>
             </a:spcAft>
-            <a:buNone/>
           </a:pPr>
           <a:endParaRPr lang="es-CO" sz="3500" kern="1200"/>
         </a:p>
@@ -7000,7 +7222,7 @@
         </a:bodyPr>
         <a:lstStyle/>
         <a:p>
-          <a:pPr marL="0" lvl="0" indent="0" algn="ctr" defTabSz="1555750">
+          <a:pPr lvl="0" algn="ctr" defTabSz="1555750">
             <a:lnSpc>
               <a:spcPct val="90000"/>
             </a:lnSpc>
@@ -7010,7 +7232,6 @@
             <a:spcAft>
               <a:spcPct val="35000"/>
             </a:spcAft>
-            <a:buNone/>
           </a:pPr>
           <a:endParaRPr lang="es-CO" sz="3500" kern="1200"/>
         </a:p>
@@ -7113,7 +7334,7 @@
         </a:bodyPr>
         <a:lstStyle/>
         <a:p>
-          <a:pPr marL="0" lvl="0" indent="0" algn="ctr" defTabSz="1555750">
+          <a:pPr lvl="0" algn="ctr" defTabSz="1555750">
             <a:lnSpc>
               <a:spcPct val="90000"/>
             </a:lnSpc>
@@ -7123,7 +7344,6 @@
             <a:spcAft>
               <a:spcPct val="35000"/>
             </a:spcAft>
-            <a:buNone/>
           </a:pPr>
           <a:endParaRPr lang="es-CO" sz="3500" kern="1200"/>
         </a:p>
@@ -13798,7 +14018,7 @@
           <a:p>
             <a:fld id="{82FE6867-8D52-46D5-8C98-69DB32658D4A}" type="datetimeFigureOut">
               <a:rPr lang="es-CO" smtClean="0"/>
-              <a:t>12/03/2019</a:t>
+              <a:t>13/03/2019</a:t>
             </a:fld>
             <a:endParaRPr lang="es-CO"/>
           </a:p>
@@ -13998,7 +14218,7 @@
           <a:p>
             <a:fld id="{82FE6867-8D52-46D5-8C98-69DB32658D4A}" type="datetimeFigureOut">
               <a:rPr lang="es-CO" smtClean="0"/>
-              <a:t>12/03/2019</a:t>
+              <a:t>13/03/2019</a:t>
             </a:fld>
             <a:endParaRPr lang="es-CO"/>
           </a:p>
@@ -14208,7 +14428,7 @@
           <a:p>
             <a:fld id="{82FE6867-8D52-46D5-8C98-69DB32658D4A}" type="datetimeFigureOut">
               <a:rPr lang="es-CO" smtClean="0"/>
-              <a:t>12/03/2019</a:t>
+              <a:t>13/03/2019</a:t>
             </a:fld>
             <a:endParaRPr lang="es-CO"/>
           </a:p>
@@ -14408,7 +14628,7 @@
           <a:p>
             <a:fld id="{82FE6867-8D52-46D5-8C98-69DB32658D4A}" type="datetimeFigureOut">
               <a:rPr lang="es-CO" smtClean="0"/>
-              <a:t>12/03/2019</a:t>
+              <a:t>13/03/2019</a:t>
             </a:fld>
             <a:endParaRPr lang="es-CO"/>
           </a:p>
@@ -14684,7 +14904,7 @@
           <a:p>
             <a:fld id="{82FE6867-8D52-46D5-8C98-69DB32658D4A}" type="datetimeFigureOut">
               <a:rPr lang="es-CO" smtClean="0"/>
-              <a:t>12/03/2019</a:t>
+              <a:t>13/03/2019</a:t>
             </a:fld>
             <a:endParaRPr lang="es-CO"/>
           </a:p>
@@ -14952,7 +15172,7 @@
           <a:p>
             <a:fld id="{82FE6867-8D52-46D5-8C98-69DB32658D4A}" type="datetimeFigureOut">
               <a:rPr lang="es-CO" smtClean="0"/>
-              <a:t>12/03/2019</a:t>
+              <a:t>13/03/2019</a:t>
             </a:fld>
             <a:endParaRPr lang="es-CO"/>
           </a:p>
@@ -15367,7 +15587,7 @@
           <a:p>
             <a:fld id="{82FE6867-8D52-46D5-8C98-69DB32658D4A}" type="datetimeFigureOut">
               <a:rPr lang="es-CO" smtClean="0"/>
-              <a:t>12/03/2019</a:t>
+              <a:t>13/03/2019</a:t>
             </a:fld>
             <a:endParaRPr lang="es-CO"/>
           </a:p>
@@ -15509,7 +15729,7 @@
           <a:p>
             <a:fld id="{82FE6867-8D52-46D5-8C98-69DB32658D4A}" type="datetimeFigureOut">
               <a:rPr lang="es-CO" smtClean="0"/>
-              <a:t>12/03/2019</a:t>
+              <a:t>13/03/2019</a:t>
             </a:fld>
             <a:endParaRPr lang="es-CO"/>
           </a:p>
@@ -15622,7 +15842,7 @@
           <a:p>
             <a:fld id="{82FE6867-8D52-46D5-8C98-69DB32658D4A}" type="datetimeFigureOut">
               <a:rPr lang="es-CO" smtClean="0"/>
-              <a:t>12/03/2019</a:t>
+              <a:t>13/03/2019</a:t>
             </a:fld>
             <a:endParaRPr lang="es-CO"/>
           </a:p>
@@ -15935,7 +16155,7 @@
           <a:p>
             <a:fld id="{82FE6867-8D52-46D5-8C98-69DB32658D4A}" type="datetimeFigureOut">
               <a:rPr lang="es-CO" smtClean="0"/>
-              <a:t>12/03/2019</a:t>
+              <a:t>13/03/2019</a:t>
             </a:fld>
             <a:endParaRPr lang="es-CO"/>
           </a:p>
@@ -16224,7 +16444,7 @@
           <a:p>
             <a:fld id="{82FE6867-8D52-46D5-8C98-69DB32658D4A}" type="datetimeFigureOut">
               <a:rPr lang="es-CO" smtClean="0"/>
-              <a:t>12/03/2019</a:t>
+              <a:t>13/03/2019</a:t>
             </a:fld>
             <a:endParaRPr lang="es-CO"/>
           </a:p>
@@ -16467,7 +16687,7 @@
           <a:p>
             <a:fld id="{82FE6867-8D52-46D5-8C98-69DB32658D4A}" type="datetimeFigureOut">
               <a:rPr lang="es-CO" smtClean="0"/>
-              <a:t>12/03/2019</a:t>
+              <a:t>13/03/2019</a:t>
             </a:fld>
             <a:endParaRPr lang="es-CO"/>
           </a:p>
@@ -16897,7 +17117,7 @@
           <p:nvPr>
             <p:extLst>
               <p:ext uri="{D42A27DB-BD31-4B8C-83A1-F6EECF244321}">
-                <p14:modId xmlns:p14="http://schemas.microsoft.com/office/powerpoint/2010/main" val="1685275331"/>
+                <p14:modId xmlns:p14="http://schemas.microsoft.com/office/powerpoint/2010/main" val="867080806"/>
               </p:ext>
             </p:extLst>
           </p:nvPr>
@@ -17148,6 +17368,205 @@
     <p:extLst>
       <p:ext uri="{BB962C8B-B14F-4D97-AF65-F5344CB8AC3E}">
         <p14:creationId xmlns:p14="http://schemas.microsoft.com/office/powerpoint/2010/main" val="3099262668"/>
+      </p:ext>
+    </p:extLst>
+  </p:cSld>
+  <p:clrMapOvr>
+    <a:masterClrMapping/>
+  </p:clrMapOvr>
+</p:sld>
+</file>
+
+<file path=ppt/slides/slide6.xml><?xml version="1.0" encoding="utf-8"?>
+<p:sld xmlns:a="http://schemas.openxmlformats.org/drawingml/2006/main" xmlns:r="http://schemas.openxmlformats.org/officeDocument/2006/relationships" xmlns:p="http://schemas.openxmlformats.org/presentationml/2006/main">
+  <p:cSld>
+    <p:spTree>
+      <p:nvGrpSpPr>
+        <p:cNvPr id="1" name=""/>
+        <p:cNvGrpSpPr/>
+        <p:nvPr/>
+      </p:nvGrpSpPr>
+      <p:grpSpPr>
+        <a:xfrm>
+          <a:off x="0" y="0"/>
+          <a:ext cx="0" cy="0"/>
+          <a:chOff x="0" y="0"/>
+          <a:chExt cx="0" cy="0"/>
+        </a:xfrm>
+      </p:grpSpPr>
+      <p:sp>
+        <p:nvSpPr>
+          <p:cNvPr id="15" name="Rectángulo redondeado 14"/>
+          <p:cNvSpPr/>
+          <p:nvPr/>
+        </p:nvSpPr>
+        <p:spPr>
+          <a:xfrm>
+            <a:off x="2032000" y="2817382"/>
+            <a:ext cx="8128000" cy="1223235"/>
+          </a:xfrm>
+          <a:prstGeom prst="roundRect">
+            <a:avLst/>
+          </a:prstGeom>
+        </p:spPr>
+        <p:style>
+          <a:lnRef idx="0">
+            <a:schemeClr val="lt1">
+              <a:hueOff val="0"/>
+              <a:satOff val="0"/>
+              <a:lumOff val="0"/>
+              <a:alphaOff val="0"/>
+            </a:schemeClr>
+          </a:lnRef>
+          <a:fillRef idx="3">
+            <a:schemeClr val="accent6">
+              <a:shade val="80000"/>
+              <a:hueOff val="0"/>
+              <a:satOff val="0"/>
+              <a:lumOff val="0"/>
+              <a:alphaOff val="0"/>
+            </a:schemeClr>
+          </a:fillRef>
+          <a:effectRef idx="3">
+            <a:schemeClr val="accent6">
+              <a:shade val="80000"/>
+              <a:hueOff val="0"/>
+              <a:satOff val="0"/>
+              <a:lumOff val="0"/>
+              <a:alphaOff val="0"/>
+            </a:schemeClr>
+          </a:effectRef>
+          <a:fontRef idx="minor">
+            <a:schemeClr val="lt1"/>
+          </a:fontRef>
+        </p:style>
+      </p:sp>
+      <p:sp>
+        <p:nvSpPr>
+          <p:cNvPr id="18" name="Rectángulo redondeado 17"/>
+          <p:cNvSpPr/>
+          <p:nvPr/>
+        </p:nvSpPr>
+        <p:spPr>
+          <a:xfrm>
+            <a:off x="1770743" y="4724559"/>
+            <a:ext cx="8128000" cy="1223235"/>
+          </a:xfrm>
+          <a:prstGeom prst="roundRect">
+            <a:avLst/>
+          </a:prstGeom>
+        </p:spPr>
+        <p:style>
+          <a:lnRef idx="0">
+            <a:schemeClr val="lt1">
+              <a:hueOff val="0"/>
+              <a:satOff val="0"/>
+              <a:lumOff val="0"/>
+              <a:alphaOff val="0"/>
+            </a:schemeClr>
+          </a:lnRef>
+          <a:fillRef idx="3">
+            <a:schemeClr val="accent6">
+              <a:shade val="80000"/>
+              <a:hueOff val="214187"/>
+              <a:satOff val="-8606"/>
+              <a:lumOff val="18419"/>
+              <a:alphaOff val="0"/>
+            </a:schemeClr>
+          </a:fillRef>
+          <a:effectRef idx="3">
+            <a:schemeClr val="accent6">
+              <a:shade val="80000"/>
+              <a:hueOff val="214187"/>
+              <a:satOff val="-8606"/>
+              <a:lumOff val="18419"/>
+              <a:alphaOff val="0"/>
+            </a:schemeClr>
+          </a:effectRef>
+          <a:fontRef idx="minor">
+            <a:schemeClr val="lt1"/>
+          </a:fontRef>
+        </p:style>
+      </p:sp>
+    </p:spTree>
+    <p:extLst>
+      <p:ext uri="{BB962C8B-B14F-4D97-AF65-F5344CB8AC3E}">
+        <p14:creationId xmlns:p14="http://schemas.microsoft.com/office/powerpoint/2010/main" val="3600758901"/>
+      </p:ext>
+    </p:extLst>
+  </p:cSld>
+  <p:clrMapOvr>
+    <a:masterClrMapping/>
+  </p:clrMapOvr>
+</p:sld>
+</file>
+
+<file path=ppt/slides/slide7.xml><?xml version="1.0" encoding="utf-8"?>
+<p:sld xmlns:a="http://schemas.openxmlformats.org/drawingml/2006/main" xmlns:r="http://schemas.openxmlformats.org/officeDocument/2006/relationships" xmlns:p="http://schemas.openxmlformats.org/presentationml/2006/main">
+  <p:cSld>
+    <p:spTree>
+      <p:nvGrpSpPr>
+        <p:cNvPr id="1" name=""/>
+        <p:cNvGrpSpPr/>
+        <p:nvPr/>
+      </p:nvGrpSpPr>
+      <p:grpSpPr>
+        <a:xfrm>
+          <a:off x="0" y="0"/>
+          <a:ext cx="0" cy="0"/>
+          <a:chOff x="0" y="0"/>
+          <a:chExt cx="0" cy="0"/>
+        </a:xfrm>
+      </p:grpSpPr>
+      <p:sp>
+        <p:nvSpPr>
+          <p:cNvPr id="5" name="Rectángulo redondeado 4"/>
+          <p:cNvSpPr/>
+          <p:nvPr/>
+        </p:nvSpPr>
+        <p:spPr>
+          <a:xfrm>
+            <a:off x="2032000" y="2820600"/>
+            <a:ext cx="8128000" cy="1216800"/>
+          </a:xfrm>
+          <a:prstGeom prst="roundRect">
+            <a:avLst/>
+          </a:prstGeom>
+        </p:spPr>
+        <p:style>
+          <a:lnRef idx="0">
+            <a:schemeClr val="lt1">
+              <a:hueOff val="0"/>
+              <a:satOff val="0"/>
+              <a:lumOff val="0"/>
+              <a:alphaOff val="0"/>
+            </a:schemeClr>
+          </a:lnRef>
+          <a:fillRef idx="3">
+            <a:schemeClr val="accent4">
+              <a:hueOff val="0"/>
+              <a:satOff val="0"/>
+              <a:lumOff val="0"/>
+              <a:alphaOff val="0"/>
+            </a:schemeClr>
+          </a:fillRef>
+          <a:effectRef idx="2">
+            <a:schemeClr val="accent4">
+              <a:hueOff val="0"/>
+              <a:satOff val="0"/>
+              <a:lumOff val="0"/>
+              <a:alphaOff val="0"/>
+            </a:schemeClr>
+          </a:effectRef>
+          <a:fontRef idx="minor">
+            <a:schemeClr val="lt1"/>
+          </a:fontRef>
+        </p:style>
+      </p:sp>
+    </p:spTree>
+    <p:extLst>
+      <p:ext uri="{BB962C8B-B14F-4D97-AF65-F5344CB8AC3E}">
+        <p14:creationId xmlns:p14="http://schemas.microsoft.com/office/powerpoint/2010/main" val="3547890669"/>
       </p:ext>
     </p:extLst>
   </p:cSld>
